--- a/docs/assets/images/SFFTLogo.pptx
+++ b/docs/assets/images/SFFTLogo.pptx
@@ -104,6 +104,11 @@
       </a:defRPr>
     </a:lvl9pPr>
   </p:defaultTextStyle>
+  <p:extLst>
+    <p:ext uri="{EFAFB233-063F-42B5-8137-9DF3F51BA10A}">
+      <p15:sldGuideLst xmlns:p15="http://schemas.microsoft.com/office/powerpoint/2012/main"/>
+    </p:ext>
+  </p:extLst>
 </p:presentation>
 </file>
 
@@ -3358,13 +3363,13 @@
         </p:nvPicPr>
         <p:blipFill rotWithShape="1">
           <a:blip r:embed="rId2"/>
-          <a:srcRect l="-24006" t="-38858" r="-1" b="-123872"/>
+          <a:srcRect l="755" t="-38855" r="-57617" b="-103693"/>
           <a:stretch/>
         </p:blipFill>
         <p:spPr>
           <a:xfrm>
-            <a:off x="0" y="85054"/>
-            <a:ext cx="9638270" cy="6645355"/>
+            <a:off x="1" y="287076"/>
+            <a:ext cx="12192000" cy="6134989"/>
           </a:xfrm>
           <a:prstGeom prst="rect">
             <a:avLst/>
@@ -3385,7 +3390,7 @@
         </p:nvSpPr>
         <p:spPr>
           <a:xfrm>
-            <a:off x="2162144" y="3583173"/>
+            <a:off x="237653" y="3785194"/>
             <a:ext cx="6666614" cy="646331"/>
           </a:xfrm>
           <a:prstGeom prst="rect">

--- a/docs/assets/images/SFFTLogo.pptx
+++ b/docs/assets/images/SFFTLogo.pptx
@@ -261,7 +261,7 @@
           <a:p>
             <a:fld id="{166D4707-8370-4F47-9058-44E29A33E144}" type="datetimeFigureOut">
               <a:rPr lang="en-CN" smtClean="0"/>
-              <a:t>2024/10/5</a:t>
+              <a:t>2024/10/6</a:t>
             </a:fld>
             <a:endParaRPr lang="en-CN"/>
           </a:p>
@@ -461,7 +461,7 @@
           <a:p>
             <a:fld id="{166D4707-8370-4F47-9058-44E29A33E144}" type="datetimeFigureOut">
               <a:rPr lang="en-CN" smtClean="0"/>
-              <a:t>2024/10/5</a:t>
+              <a:t>2024/10/6</a:t>
             </a:fld>
             <a:endParaRPr lang="en-CN"/>
           </a:p>
@@ -671,7 +671,7 @@
           <a:p>
             <a:fld id="{166D4707-8370-4F47-9058-44E29A33E144}" type="datetimeFigureOut">
               <a:rPr lang="en-CN" smtClean="0"/>
-              <a:t>2024/10/5</a:t>
+              <a:t>2024/10/6</a:t>
             </a:fld>
             <a:endParaRPr lang="en-CN"/>
           </a:p>
@@ -871,7 +871,7 @@
           <a:p>
             <a:fld id="{166D4707-8370-4F47-9058-44E29A33E144}" type="datetimeFigureOut">
               <a:rPr lang="en-CN" smtClean="0"/>
-              <a:t>2024/10/5</a:t>
+              <a:t>2024/10/6</a:t>
             </a:fld>
             <a:endParaRPr lang="en-CN"/>
           </a:p>
@@ -1147,7 +1147,7 @@
           <a:p>
             <a:fld id="{166D4707-8370-4F47-9058-44E29A33E144}" type="datetimeFigureOut">
               <a:rPr lang="en-CN" smtClean="0"/>
-              <a:t>2024/10/5</a:t>
+              <a:t>2024/10/6</a:t>
             </a:fld>
             <a:endParaRPr lang="en-CN"/>
           </a:p>
@@ -1415,7 +1415,7 @@
           <a:p>
             <a:fld id="{166D4707-8370-4F47-9058-44E29A33E144}" type="datetimeFigureOut">
               <a:rPr lang="en-CN" smtClean="0"/>
-              <a:t>2024/10/5</a:t>
+              <a:t>2024/10/6</a:t>
             </a:fld>
             <a:endParaRPr lang="en-CN"/>
           </a:p>
@@ -1830,7 +1830,7 @@
           <a:p>
             <a:fld id="{166D4707-8370-4F47-9058-44E29A33E144}" type="datetimeFigureOut">
               <a:rPr lang="en-CN" smtClean="0"/>
-              <a:t>2024/10/5</a:t>
+              <a:t>2024/10/6</a:t>
             </a:fld>
             <a:endParaRPr lang="en-CN"/>
           </a:p>
@@ -1972,7 +1972,7 @@
           <a:p>
             <a:fld id="{166D4707-8370-4F47-9058-44E29A33E144}" type="datetimeFigureOut">
               <a:rPr lang="en-CN" smtClean="0"/>
-              <a:t>2024/10/5</a:t>
+              <a:t>2024/10/6</a:t>
             </a:fld>
             <a:endParaRPr lang="en-CN"/>
           </a:p>
@@ -2085,7 +2085,7 @@
           <a:p>
             <a:fld id="{166D4707-8370-4F47-9058-44E29A33E144}" type="datetimeFigureOut">
               <a:rPr lang="en-CN" smtClean="0"/>
-              <a:t>2024/10/5</a:t>
+              <a:t>2024/10/6</a:t>
             </a:fld>
             <a:endParaRPr lang="en-CN"/>
           </a:p>
@@ -2398,7 +2398,7 @@
           <a:p>
             <a:fld id="{166D4707-8370-4F47-9058-44E29A33E144}" type="datetimeFigureOut">
               <a:rPr lang="en-CN" smtClean="0"/>
-              <a:t>2024/10/5</a:t>
+              <a:t>2024/10/6</a:t>
             </a:fld>
             <a:endParaRPr lang="en-CN"/>
           </a:p>
@@ -2687,7 +2687,7 @@
           <a:p>
             <a:fld id="{166D4707-8370-4F47-9058-44E29A33E144}" type="datetimeFigureOut">
               <a:rPr lang="en-CN" smtClean="0"/>
-              <a:t>2024/10/5</a:t>
+              <a:t>2024/10/6</a:t>
             </a:fld>
             <a:endParaRPr lang="en-CN"/>
           </a:p>
@@ -2930,7 +2930,7 @@
           <a:p>
             <a:fld id="{166D4707-8370-4F47-9058-44E29A33E144}" type="datetimeFigureOut">
               <a:rPr lang="en-CN" smtClean="0"/>
-              <a:t>2024/10/5</a:t>
+              <a:t>2024/10/6</a:t>
             </a:fld>
             <a:endParaRPr lang="en-CN"/>
           </a:p>
@@ -3363,13 +3363,13 @@
         </p:nvPicPr>
         <p:blipFill rotWithShape="1">
           <a:blip r:embed="rId2"/>
-          <a:srcRect l="755" t="-38855" r="-57617" b="-103693"/>
+          <a:srcRect l="1300" t="1918" r="-2262" b="-143208"/>
           <a:stretch/>
         </p:blipFill>
         <p:spPr>
           <a:xfrm>
-            <a:off x="1" y="287076"/>
-            <a:ext cx="12192000" cy="6134989"/>
+            <a:off x="2466753" y="106325"/>
+            <a:ext cx="7846828" cy="6103089"/>
           </a:xfrm>
           <a:prstGeom prst="rect">
             <a:avLst/>
@@ -3390,7 +3390,7 @@
         </p:nvSpPr>
         <p:spPr>
           <a:xfrm>
-            <a:off x="237653" y="3785194"/>
+            <a:off x="2661876" y="2573083"/>
             <a:ext cx="6666614" cy="646331"/>
           </a:xfrm>
           <a:prstGeom prst="rect">
